--- a/reference_content/Slides/009_Feature_Selection.pptx
+++ b/reference_content/Slides/009_Feature_Selection.pptx
@@ -3696,89 +3696,73 @@
         </p:spPr>
         <p:txBody>
           <a:bodyPr>
-            <a:normAutofit lnSpcReduction="10000"/>
+            <a:normAutofit/>
           </a:bodyPr>
           <a:lstStyle/>
           <a:p>
             <a:r>
               <a:rPr lang="en-US" dirty="0"/>
-              <a:t>Feature selection basics. </a:t>
-            </a:r>
-          </a:p>
-          <a:p>
-            <a:pPr lvl="1"/>
-            <a:r>
-              <a:rPr lang="en-US" dirty="0"/>
-              <a:t>I’m going to ask you to read the workbook part over the next week. It’s pretty easy. </a:t>
-            </a:r>
-          </a:p>
-          <a:p>
-            <a:r>
-              <a:rPr lang="en-US" dirty="0"/>
-              <a:t>This Week (007-010) – Dimensionality of Data:</a:t>
-            </a:r>
-          </a:p>
-          <a:p>
-            <a:pPr lvl="1"/>
-            <a:r>
-              <a:rPr lang="en-US" dirty="0"/>
-              <a:t>Regularization. Images and multiclass classification. Support Vector Machines. </a:t>
-            </a:r>
-          </a:p>
-          <a:p>
-            <a:pPr lvl="1"/>
-            <a:r>
-              <a:rPr lang="en-US" dirty="0"/>
-              <a:t>Involve multidimensional space, videos and animations on YouTube can help visualize. </a:t>
-            </a:r>
-          </a:p>
-          <a:p>
-            <a:pPr lvl="1"/>
-            <a:r>
-              <a:rPr lang="en-US" dirty="0"/>
-              <a:t>These are all important concepts, but the hands on is simple-</a:t>
-            </a:r>
-            <a:r>
-              <a:rPr lang="en-US" dirty="0" err="1"/>
-              <a:t>ish</a:t>
-            </a:r>
-            <a:r>
-              <a:rPr lang="en-US" dirty="0"/>
-              <a:t>. </a:t>
-            </a:r>
-          </a:p>
-          <a:p>
-            <a:pPr lvl="1"/>
-            <a:r>
-              <a:rPr lang="en-US" dirty="0"/>
-              <a:t>The long text (Intro to Machine…) has chapters on each, please read. Also ask as we go. </a:t>
-            </a:r>
-          </a:p>
-          <a:p>
-            <a:r>
-              <a:rPr lang="en-US" dirty="0"/>
-              <a:t>After that – NLP and almost back on schedule-</a:t>
-            </a:r>
-            <a:r>
-              <a:rPr lang="en-US" dirty="0" err="1"/>
-              <a:t>ish</a:t>
-            </a:r>
-            <a:r>
-              <a:rPr lang="en-US" dirty="0"/>
-              <a:t>.  </a:t>
-            </a:r>
-          </a:p>
-          <a:p>
-            <a:r>
-              <a:rPr lang="en-US" dirty="0"/>
-              <a:t>We’ll do a test after the NLP stuff, pre neural network. ~2-3ish weeks. </a:t>
-            </a:r>
-          </a:p>
-          <a:p>
-            <a:pPr lvl="1"/>
-            <a:r>
-              <a:rPr lang="en-US" dirty="0"/>
-              <a:t>We’ll test on basic ML concepts, then leave the neural network stuff for hands-on. </a:t>
+              <a:t>Feature selection basics (chapter 4)</a:t>
+            </a:r>
+          </a:p>
+          <a:p>
+            <a:pPr lvl="1"/>
+            <a:r>
+              <a:rPr lang="en-US" dirty="0"/>
+              <a:t>I added a review of multicollinearity to it, if you have old version, pull. </a:t>
+            </a:r>
+          </a:p>
+          <a:p>
+            <a:pPr lvl="1"/>
+            <a:r>
+              <a:rPr lang="en-US" dirty="0"/>
+              <a:t>Mostly mechanics of different ways to select features. </a:t>
+            </a:r>
+          </a:p>
+          <a:p>
+            <a:pPr lvl="1"/>
+            <a:r>
+              <a:rPr lang="en-US" dirty="0"/>
+              <a:t>This part is pretty straightforward, again make sure the general ‘make a pipe’ </a:t>
+            </a:r>
+            <a:r>
+              <a:rPr lang="en-US"/>
+              <a:t>stuff is OK. </a:t>
+            </a:r>
+            <a:endParaRPr lang="en-US" dirty="0"/>
+          </a:p>
+          <a:p>
+            <a:r>
+              <a:rPr lang="en-US" dirty="0"/>
+              <a:t>And then… Next time, support vector machines (maybe some this time, if you’re fast). </a:t>
+            </a:r>
+          </a:p>
+          <a:p>
+            <a:pPr lvl="1"/>
+            <a:r>
+              <a:rPr lang="en-US" dirty="0"/>
+              <a:t>Dimensionality and visualizing data. </a:t>
+            </a:r>
+          </a:p>
+          <a:p>
+            <a:pPr lvl="1"/>
+            <a:r>
+              <a:rPr lang="en-US" dirty="0"/>
+              <a:t>Margins and hinge loss. </a:t>
+            </a:r>
+          </a:p>
+          <a:p>
+            <a:pPr lvl="1"/>
+            <a:r>
+              <a:rPr lang="en-US" dirty="0"/>
+              <a:t>Then Natural Language Processing (NLP) – our first really cool topic. </a:t>
+            </a:r>
+          </a:p>
+          <a:p>
+            <a:pPr lvl="2"/>
+            <a:r>
+              <a:rPr lang="en-US" dirty="0"/>
+              <a:t>The dimensionality bit is important for understanding here. </a:t>
             </a:r>
           </a:p>
         </p:txBody>
@@ -5654,15 +5638,7 @@
           <a:p>
             <a:r>
               <a:rPr lang="en-US" dirty="0"/>
-              <a:t>As noted, removing features makes the model more ‘efficient’ but </a:t>
-            </a:r>
-            <a:r>
-              <a:rPr lang="en-US"/>
-              <a:t>doesn’t normally raise </a:t>
-            </a:r>
-            <a:r>
-              <a:rPr lang="en-US" dirty="0"/>
-              <a:t>the ceiling. </a:t>
+              <a:t>As noted, removing features makes the model more ‘efficient’ but doesn’t normally raise the ceiling. </a:t>
             </a:r>
           </a:p>
           <a:p>
